--- a/Experts Live Prague 2019/ARM_Template_Tips/ARM_Tips_Tricks.pptx
+++ b/Experts Live Prague 2019/ARM_Template_Tips/ARM_Tips_Tricks.pptx
@@ -227,7 +227,7 @@
           <a:p>
             <a:fld id="{3E82F302-A7C8-034E-97BB-FC8263E03487}" type="datetimeFigureOut">
               <a:rPr lang="en-US" smtClean="0"/>
-              <a:t>11/16/2019</a:t>
+              <a:t>11/19/2019</a:t>
             </a:fld>
             <a:endParaRPr lang="en-US"/>
           </a:p>
@@ -392,7 +392,7 @@
           <a:p>
             <a:fld id="{487DA48D-2A66-4BA8-A0A6-18B7094E3EEC}" type="datetimeFigureOut">
               <a:rPr lang="en-US" smtClean="0"/>
-              <a:t>11/16/2019</a:t>
+              <a:t>11/19/2019</a:t>
             </a:fld>
             <a:endParaRPr lang="en-US"/>
           </a:p>
@@ -864,7 +864,7 @@
           <a:p>
             <a:fld id="{386CE63F-9E7F-4C04-9D0D-FCA25A8E9E86}" type="datetime8">
               <a:rPr lang="en-US" smtClean="0"/>
-              <a:t>11/16/2019 12:37 PM</a:t>
+              <a:t>11/19/2019 1:53 PM</a:t>
             </a:fld>
             <a:endParaRPr lang="en-US" dirty="0"/>
           </a:p>
@@ -1119,7 +1119,7 @@
           <a:p>
             <a:fld id="{386CE63F-9E7F-4C04-9D0D-FCA25A8E9E86}" type="datetime8">
               <a:rPr lang="en-US" smtClean="0"/>
-              <a:t>11/16/2019 12:37 PM</a:t>
+              <a:t>11/19/2019 1:53 PM</a:t>
             </a:fld>
             <a:endParaRPr lang="en-US" dirty="0"/>
           </a:p>
@@ -1367,7 +1367,7 @@
           <a:p>
             <a:fld id="{386CE63F-9E7F-4C04-9D0D-FCA25A8E9E86}" type="datetime8">
               <a:rPr lang="en-US" smtClean="0"/>
-              <a:t>11/16/2019 12:37 PM</a:t>
+              <a:t>11/19/2019 1:53 PM</a:t>
             </a:fld>
             <a:endParaRPr lang="en-US" dirty="0"/>
           </a:p>
@@ -1578,7 +1578,7 @@
           <a:p>
             <a:fld id="{386CE63F-9E7F-4C04-9D0D-FCA25A8E9E86}" type="datetime8">
               <a:rPr lang="en-US" smtClean="0"/>
-              <a:t>11/16/2019 12:37 PM</a:t>
+              <a:t>11/19/2019 1:53 PM</a:t>
             </a:fld>
             <a:endParaRPr lang="en-US" dirty="0"/>
           </a:p>
@@ -1768,7 +1768,7 @@
           <a:p>
             <a:fld id="{386CE63F-9E7F-4C04-9D0D-FCA25A8E9E86}" type="datetime8">
               <a:rPr lang="en-US" smtClean="0"/>
-              <a:t>11/16/2019 12:37 PM</a:t>
+              <a:t>11/19/2019 1:53 PM</a:t>
             </a:fld>
             <a:endParaRPr lang="en-US" dirty="0"/>
           </a:p>
@@ -2321,7 +2321,7 @@
   <p:transition>
     <p:fade/>
   </p:transition>
-  <p:extLst mod="1">
+  <p:extLst>
     <p:ext uri="{DCECCB84-F9BA-43D5-87BE-67443E8EF086}">
       <p15:sldGuideLst xmlns:p15="http://schemas.microsoft.com/office/powerpoint/2012/main">
         <p15:guide id="2" orient="horz" pos="1272">
@@ -2561,7 +2561,7 @@
   <p:transition>
     <p:fade/>
   </p:transition>
-  <p:extLst mod="1">
+  <p:extLst>
     <p:ext uri="{DCECCB84-F9BA-43D5-87BE-67443E8EF086}">
       <p15:sldGuideLst xmlns:p15="http://schemas.microsoft.com/office/powerpoint/2012/main">
         <p15:guide id="1" orient="horz" pos="1272">
@@ -2643,7 +2643,7 @@
   <p:transition>
     <p:fade/>
   </p:transition>
-  <p:extLst mod="1">
+  <p:extLst>
     <p:ext uri="{DCECCB84-F9BA-43D5-87BE-67443E8EF086}">
       <p15:sldGuideLst xmlns:p15="http://schemas.microsoft.com/office/powerpoint/2012/main">
         <p15:guide id="3" orient="horz" pos="900">
@@ -4084,6 +4084,36 @@
           </a:p>
         </p:txBody>
       </p:sp>
+      <p:pic>
+        <p:nvPicPr>
+          <p:cNvPr id="3" name="Picture 2">
+            <a:extLst>
+              <a:ext uri="{FF2B5EF4-FFF2-40B4-BE49-F238E27FC236}">
+                <a16:creationId xmlns:a16="http://schemas.microsoft.com/office/drawing/2014/main" id="{5BC7803A-A346-4C5B-ABFF-F872A3A8F710}"/>
+              </a:ext>
+            </a:extLst>
+          </p:cNvPr>
+          <p:cNvPicPr>
+            <a:picLocks noChangeAspect="1"/>
+          </p:cNvPicPr>
+          <p:nvPr/>
+        </p:nvPicPr>
+        <p:blipFill>
+          <a:blip r:embed="rId2"/>
+          <a:stretch>
+            <a:fillRect/>
+          </a:stretch>
+        </p:blipFill>
+        <p:spPr>
+          <a:xfrm>
+            <a:off x="1143000" y="1119910"/>
+            <a:ext cx="6169969" cy="3931161"/>
+          </a:xfrm>
+          <a:prstGeom prst="rect">
+            <a:avLst/>
+          </a:prstGeom>
+        </p:spPr>
+      </p:pic>
     </p:spTree>
     <p:extLst>
       <p:ext uri="{BB962C8B-B14F-4D97-AF65-F5344CB8AC3E}">
@@ -8057,18 +8087,18 @@
 </file>
 
 <file path=customXml/item2.xml><?xml version="1.0" encoding="utf-8"?>
-<p:properties xmlns:p="http://schemas.microsoft.com/office/2006/metadata/properties" xmlns:xsi="http://www.w3.org/2001/XMLSchema-instance" xmlns:pc="http://schemas.microsoft.com/office/infopath/2007/PartnerControls">
-  <documentManagement/>
-</p:properties>
-</file>
-
-<file path=customXml/item3.xml><?xml version="1.0" encoding="utf-8"?>
 <?mso-contentType ?>
 <FormTemplates xmlns="http://schemas.microsoft.com/sharepoint/v3/contenttype/forms">
   <Display>DocumentLibraryForm</Display>
   <Edit>DocumentLibraryForm</Edit>
   <New>DocumentLibraryForm</New>
 </FormTemplates>
+</file>
+
+<file path=customXml/item3.xml><?xml version="1.0" encoding="utf-8"?>
+<p:properties xmlns:p="http://schemas.microsoft.com/office/2006/metadata/properties" xmlns:xsi="http://www.w3.org/2001/XMLSchema-instance" xmlns:pc="http://schemas.microsoft.com/office/infopath/2007/PartnerControls">
+  <documentManagement/>
+</p:properties>
 </file>
 
 <file path=customXml/itemProps1.xml><?xml version="1.0" encoding="utf-8"?>
@@ -8090,6 +8120,14 @@
 </file>
 
 <file path=customXml/itemProps2.xml><?xml version="1.0" encoding="utf-8"?>
+<ds:datastoreItem xmlns:ds="http://schemas.openxmlformats.org/officeDocument/2006/customXml" ds:itemID="{1F6BAE2A-3DA5-4EE8-819D-1C3E1939D3C5}">
+  <ds:schemaRefs>
+    <ds:schemaRef ds:uri="http://schemas.microsoft.com/sharepoint/v3/contenttype/forms"/>
+  </ds:schemaRefs>
+</ds:datastoreItem>
+</file>
+
+<file path=customXml/itemProps3.xml><?xml version="1.0" encoding="utf-8"?>
 <ds:datastoreItem xmlns:ds="http://schemas.openxmlformats.org/officeDocument/2006/customXml" ds:itemID="{B61D9F81-828F-487E-B733-C40C548226D3}">
   <ds:schemaRefs>
     <ds:schemaRef ds:uri="http://purl.org/dc/terms/"/>
@@ -8103,12 +8141,4 @@
     <ds:schemaRef ds:uri="http://purl.org/dc/dcmitype/"/>
   </ds:schemaRefs>
 </ds:datastoreItem>
-</file>
-
-<file path=customXml/itemProps3.xml><?xml version="1.0" encoding="utf-8"?>
-<ds:datastoreItem xmlns:ds="http://schemas.openxmlformats.org/officeDocument/2006/customXml" ds:itemID="{1F6BAE2A-3DA5-4EE8-819D-1C3E1939D3C5}">
-  <ds:schemaRefs>
-    <ds:schemaRef ds:uri="http://schemas.microsoft.com/sharepoint/v3/contenttype/forms"/>
-  </ds:schemaRefs>
-</ds:datastoreItem>
 </file>
--- a/Experts Live Prague 2019/ARM_Template_Tips/ARM_Tips_Tricks.pptx
+++ b/Experts Live Prague 2019/ARM_Template_Tips/ARM_Tips_Tricks.pptx
@@ -5,10 +5,10 @@
     <p:sldMasterId id="2147483648" r:id="rId4"/>
   </p:sldMasterIdLst>
   <p:notesMasterIdLst>
-    <p:notesMasterId r:id="rId22"/>
+    <p:notesMasterId r:id="rId24"/>
   </p:notesMasterIdLst>
   <p:handoutMasterIdLst>
-    <p:handoutMasterId r:id="rId23"/>
+    <p:handoutMasterId r:id="rId25"/>
   </p:handoutMasterIdLst>
   <p:sldIdLst>
     <p:sldId id="256" r:id="rId5"/>
@@ -28,6 +28,8 @@
     <p:sldId id="1911" r:id="rId19"/>
     <p:sldId id="1915" r:id="rId20"/>
     <p:sldId id="269" r:id="rId21"/>
+    <p:sldId id="259" r:id="rId22"/>
+    <p:sldId id="260" r:id="rId23"/>
   </p:sldIdLst>
   <p:sldSz cx="9144000" cy="5143500" type="screen16x9"/>
   <p:notesSz cx="6858000" cy="9144000"/>
@@ -227,7 +229,7 @@
           <a:p>
             <a:fld id="{3E82F302-A7C8-034E-97BB-FC8263E03487}" type="datetimeFigureOut">
               <a:rPr lang="en-US" smtClean="0"/>
-              <a:t>11/19/2019</a:t>
+              <a:t>11/21/2019</a:t>
             </a:fld>
             <a:endParaRPr lang="en-US"/>
           </a:p>
@@ -392,7 +394,7 @@
           <a:p>
             <a:fld id="{487DA48D-2A66-4BA8-A0A6-18B7094E3EEC}" type="datetimeFigureOut">
               <a:rPr lang="en-US" smtClean="0"/>
-              <a:t>11/19/2019</a:t>
+              <a:t>11/21/2019</a:t>
             </a:fld>
             <a:endParaRPr lang="en-US"/>
           </a:p>
@@ -864,7 +866,7 @@
           <a:p>
             <a:fld id="{386CE63F-9E7F-4C04-9D0D-FCA25A8E9E86}" type="datetime8">
               <a:rPr lang="en-US" smtClean="0"/>
-              <a:t>11/19/2019 1:53 PM</a:t>
+              <a:t>11/21/2019 8:37 AM</a:t>
             </a:fld>
             <a:endParaRPr lang="en-US" dirty="0"/>
           </a:p>
@@ -1119,7 +1121,7 @@
           <a:p>
             <a:fld id="{386CE63F-9E7F-4C04-9D0D-FCA25A8E9E86}" type="datetime8">
               <a:rPr lang="en-US" smtClean="0"/>
-              <a:t>11/19/2019 1:53 PM</a:t>
+              <a:t>11/21/2019 8:37 AM</a:t>
             </a:fld>
             <a:endParaRPr lang="en-US" dirty="0"/>
           </a:p>
@@ -1367,7 +1369,7 @@
           <a:p>
             <a:fld id="{386CE63F-9E7F-4C04-9D0D-FCA25A8E9E86}" type="datetime8">
               <a:rPr lang="en-US" smtClean="0"/>
-              <a:t>11/19/2019 1:53 PM</a:t>
+              <a:t>11/21/2019 8:37 AM</a:t>
             </a:fld>
             <a:endParaRPr lang="en-US" dirty="0"/>
           </a:p>
@@ -1578,7 +1580,7 @@
           <a:p>
             <a:fld id="{386CE63F-9E7F-4C04-9D0D-FCA25A8E9E86}" type="datetime8">
               <a:rPr lang="en-US" smtClean="0"/>
-              <a:t>11/19/2019 1:53 PM</a:t>
+              <a:t>11/21/2019 8:37 AM</a:t>
             </a:fld>
             <a:endParaRPr lang="en-US" dirty="0"/>
           </a:p>
@@ -1768,7 +1770,7 @@
           <a:p>
             <a:fld id="{386CE63F-9E7F-4C04-9D0D-FCA25A8E9E86}" type="datetime8">
               <a:rPr lang="en-US" smtClean="0"/>
-              <a:t>11/19/2019 1:53 PM</a:t>
+              <a:t>11/21/2019 8:37 AM</a:t>
             </a:fld>
             <a:endParaRPr lang="en-US" dirty="0"/>
           </a:p>
@@ -4023,6 +4025,44 @@
           </a:prstGeom>
         </p:spPr>
       </p:pic>
+      <p:sp>
+        <p:nvSpPr>
+          <p:cNvPr id="7" name="Rectangle 6">
+            <a:extLst>
+              <a:ext uri="{FF2B5EF4-FFF2-40B4-BE49-F238E27FC236}">
+                <a16:creationId xmlns:a16="http://schemas.microsoft.com/office/drawing/2014/main" id="{05F25060-8C30-4EE7-B478-0034007E0490}"/>
+              </a:ext>
+            </a:extLst>
+          </p:cNvPr>
+          <p:cNvSpPr/>
+          <p:nvPr/>
+        </p:nvSpPr>
+        <p:spPr>
+          <a:xfrm>
+            <a:off x="1066800" y="4029549"/>
+            <a:ext cx="5973238" cy="523220"/>
+          </a:xfrm>
+          <a:prstGeom prst="rect">
+            <a:avLst/>
+          </a:prstGeom>
+        </p:spPr>
+        <p:txBody>
+          <a:bodyPr wrap="none">
+            <a:spAutoFit/>
+          </a:bodyPr>
+          <a:lstStyle/>
+          <a:p>
+            <a:r>
+              <a:rPr lang="en-GB" sz="2800" dirty="0">
+                <a:solidFill>
+                  <a:schemeClr val="accent3"/>
+                </a:solidFill>
+              </a:rPr>
+              <a:t>https://aka.ms/armtemplatepreviews</a:t>
+            </a:r>
+          </a:p>
+        </p:txBody>
+      </p:sp>
     </p:spTree>
     <p:extLst>
       <p:ext uri="{BB962C8B-B14F-4D97-AF65-F5344CB8AC3E}">
@@ -4084,12 +4124,50 @@
           </a:p>
         </p:txBody>
       </p:sp>
+      <p:sp>
+        <p:nvSpPr>
+          <p:cNvPr id="4" name="Rectangle 3">
+            <a:extLst>
+              <a:ext uri="{FF2B5EF4-FFF2-40B4-BE49-F238E27FC236}">
+                <a16:creationId xmlns:a16="http://schemas.microsoft.com/office/drawing/2014/main" id="{11A180E8-EBC6-4C08-BCE8-877ECBC98E2C}"/>
+              </a:ext>
+            </a:extLst>
+          </p:cNvPr>
+          <p:cNvSpPr/>
+          <p:nvPr/>
+        </p:nvSpPr>
+        <p:spPr>
+          <a:xfrm>
+            <a:off x="1752600" y="3343877"/>
+            <a:ext cx="5973238" cy="523220"/>
+          </a:xfrm>
+          <a:prstGeom prst="rect">
+            <a:avLst/>
+          </a:prstGeom>
+        </p:spPr>
+        <p:txBody>
+          <a:bodyPr wrap="none">
+            <a:spAutoFit/>
+          </a:bodyPr>
+          <a:lstStyle/>
+          <a:p>
+            <a:r>
+              <a:rPr lang="en-GB" sz="2800" dirty="0">
+                <a:solidFill>
+                  <a:schemeClr val="accent3"/>
+                </a:solidFill>
+              </a:rPr>
+              <a:t>https://aka.ms/armtemplatepreviews</a:t>
+            </a:r>
+          </a:p>
+        </p:txBody>
+      </p:sp>
       <p:pic>
         <p:nvPicPr>
-          <p:cNvPr id="3" name="Picture 2">
-            <a:extLst>
-              <a:ext uri="{FF2B5EF4-FFF2-40B4-BE49-F238E27FC236}">
-                <a16:creationId xmlns:a16="http://schemas.microsoft.com/office/drawing/2014/main" id="{5BC7803A-A346-4C5B-ABFF-F872A3A8F710}"/>
+          <p:cNvPr id="5" name="Picture 4">
+            <a:extLst>
+              <a:ext uri="{FF2B5EF4-FFF2-40B4-BE49-F238E27FC236}">
+                <a16:creationId xmlns:a16="http://schemas.microsoft.com/office/drawing/2014/main" id="{3DB5DE62-63C0-40C4-853A-1BABDC699B81}"/>
               </a:ext>
             </a:extLst>
           </p:cNvPr>
@@ -4106,8 +4184,8 @@
         </p:blipFill>
         <p:spPr>
           <a:xfrm>
-            <a:off x="1143000" y="1119910"/>
-            <a:ext cx="6169969" cy="3931161"/>
+            <a:off x="228600" y="1428750"/>
+            <a:ext cx="8839200" cy="1609124"/>
           </a:xfrm>
           <a:prstGeom prst="rect">
             <a:avLst/>
@@ -4933,6 +5011,628 @@
     <p:extLst>
       <p:ext uri="{BB962C8B-B14F-4D97-AF65-F5344CB8AC3E}">
         <p14:creationId xmlns:p14="http://schemas.microsoft.com/office/powerpoint/2010/main" val="2460239344"/>
+      </p:ext>
+    </p:extLst>
+  </p:cSld>
+  <p:clrMapOvr>
+    <a:masterClrMapping/>
+  </p:clrMapOvr>
+</p:sld>
+</file>
+
+<file path=ppt/slides/slide18.xml><?xml version="1.0" encoding="utf-8"?>
+<p:sld xmlns:a="http://schemas.openxmlformats.org/drawingml/2006/main" xmlns:r="http://schemas.openxmlformats.org/officeDocument/2006/relationships" xmlns:p="http://schemas.openxmlformats.org/presentationml/2006/main">
+  <p:cSld>
+    <p:spTree>
+      <p:nvGrpSpPr>
+        <p:cNvPr id="1" name=""/>
+        <p:cNvGrpSpPr/>
+        <p:nvPr/>
+      </p:nvGrpSpPr>
+      <p:grpSpPr>
+        <a:xfrm>
+          <a:off x="0" y="0"/>
+          <a:ext cx="0" cy="0"/>
+          <a:chOff x="0" y="0"/>
+          <a:chExt cx="0" cy="0"/>
+        </a:xfrm>
+      </p:grpSpPr>
+      <p:sp>
+        <p:nvSpPr>
+          <p:cNvPr id="2" name="Title 1">
+            <a:extLst>
+              <a:ext uri="{FF2B5EF4-FFF2-40B4-BE49-F238E27FC236}">
+                <a16:creationId xmlns:a16="http://schemas.microsoft.com/office/drawing/2014/main" id="{9D3D4321-D018-4DA0-B70A-5B75C284394E}"/>
+              </a:ext>
+            </a:extLst>
+          </p:cNvPr>
+          <p:cNvSpPr>
+            <a:spLocks noGrp="1"/>
+          </p:cNvSpPr>
+          <p:nvPr>
+            <p:ph type="title"/>
+          </p:nvPr>
+        </p:nvSpPr>
+        <p:spPr/>
+        <p:txBody>
+          <a:bodyPr/>
+          <a:lstStyle/>
+          <a:p>
+            <a:pPr algn="ctr"/>
+            <a:r>
+              <a:rPr lang="en-US" dirty="0">
+                <a:solidFill>
+                  <a:schemeClr val="accent1"/>
+                </a:solidFill>
+              </a:rPr>
+              <a:t>Thank you Sponsors!</a:t>
+            </a:r>
+            <a:endParaRPr lang="en-CH" dirty="0">
+              <a:solidFill>
+                <a:schemeClr val="accent1"/>
+              </a:solidFill>
+            </a:endParaRPr>
+          </a:p>
+        </p:txBody>
+      </p:sp>
+      <p:pic>
+        <p:nvPicPr>
+          <p:cNvPr id="4" name="Picture 3" descr="A picture containing drawing&#10;&#10;Description automatically generated">
+            <a:extLst>
+              <a:ext uri="{FF2B5EF4-FFF2-40B4-BE49-F238E27FC236}">
+                <a16:creationId xmlns:a16="http://schemas.microsoft.com/office/drawing/2014/main" id="{B8FF30C3-72D7-472F-8227-416ED0E6FBE5}"/>
+              </a:ext>
+            </a:extLst>
+          </p:cNvPr>
+          <p:cNvPicPr>
+            <a:picLocks noChangeAspect="1"/>
+          </p:cNvPicPr>
+          <p:nvPr/>
+        </p:nvPicPr>
+        <p:blipFill>
+          <a:blip r:embed="rId2"/>
+          <a:stretch>
+            <a:fillRect/>
+          </a:stretch>
+        </p:blipFill>
+        <p:spPr>
+          <a:xfrm>
+            <a:off x="4953000" y="3095680"/>
+            <a:ext cx="1410444" cy="245364"/>
+          </a:xfrm>
+          <a:prstGeom prst="rect">
+            <a:avLst/>
+          </a:prstGeom>
+        </p:spPr>
+      </p:pic>
+      <p:pic>
+        <p:nvPicPr>
+          <p:cNvPr id="6" name="Picture 5" descr="A picture containing food, drawing, mug&#10;&#10;Description automatically generated">
+            <a:extLst>
+              <a:ext uri="{FF2B5EF4-FFF2-40B4-BE49-F238E27FC236}">
+                <a16:creationId xmlns:a16="http://schemas.microsoft.com/office/drawing/2014/main" id="{4AF2BEFD-BEA2-48FB-A373-3EFD8E8B1F15}"/>
+              </a:ext>
+            </a:extLst>
+          </p:cNvPr>
+          <p:cNvPicPr>
+            <a:picLocks noChangeAspect="1"/>
+          </p:cNvPicPr>
+          <p:nvPr/>
+        </p:nvPicPr>
+        <p:blipFill>
+          <a:blip r:embed="rId3"/>
+          <a:stretch>
+            <a:fillRect/>
+          </a:stretch>
+        </p:blipFill>
+        <p:spPr>
+          <a:xfrm>
+            <a:off x="1467222" y="1427543"/>
+            <a:ext cx="2667000" cy="487040"/>
+          </a:xfrm>
+          <a:prstGeom prst="rect">
+            <a:avLst/>
+          </a:prstGeom>
+        </p:spPr>
+      </p:pic>
+      <p:pic>
+        <p:nvPicPr>
+          <p:cNvPr id="9" name="Picture 8" descr="A picture containing drawing, player&#10;&#10;Description automatically generated">
+            <a:extLst>
+              <a:ext uri="{FF2B5EF4-FFF2-40B4-BE49-F238E27FC236}">
+                <a16:creationId xmlns:a16="http://schemas.microsoft.com/office/drawing/2014/main" id="{E2ACFFA4-1EF0-40CA-BD99-D73886138F11}"/>
+              </a:ext>
+            </a:extLst>
+          </p:cNvPr>
+          <p:cNvPicPr>
+            <a:picLocks noChangeAspect="1"/>
+          </p:cNvPicPr>
+          <p:nvPr/>
+        </p:nvPicPr>
+        <p:blipFill>
+          <a:blip r:embed="rId4"/>
+          <a:stretch>
+            <a:fillRect/>
+          </a:stretch>
+        </p:blipFill>
+        <p:spPr>
+          <a:xfrm>
+            <a:off x="4937312" y="1121016"/>
+            <a:ext cx="3113856" cy="1110962"/>
+          </a:xfrm>
+          <a:prstGeom prst="rect">
+            <a:avLst/>
+          </a:prstGeom>
+        </p:spPr>
+      </p:pic>
+      <p:pic>
+        <p:nvPicPr>
+          <p:cNvPr id="12" name="Picture 11" descr="A close up of a logo&#10;&#10;Description automatically generated">
+            <a:extLst>
+              <a:ext uri="{FF2B5EF4-FFF2-40B4-BE49-F238E27FC236}">
+                <a16:creationId xmlns:a16="http://schemas.microsoft.com/office/drawing/2014/main" id="{71D45B19-0535-4D4F-9E92-719A87D22E92}"/>
+              </a:ext>
+            </a:extLst>
+          </p:cNvPr>
+          <p:cNvPicPr>
+            <a:picLocks noChangeAspect="1"/>
+          </p:cNvPicPr>
+          <p:nvPr/>
+        </p:nvPicPr>
+        <p:blipFill rotWithShape="1">
+          <a:blip r:embed="rId5"/>
+          <a:srcRect r="2328" b="35003"/>
+          <a:stretch/>
+        </p:blipFill>
+        <p:spPr>
+          <a:xfrm>
+            <a:off x="4953000" y="2404923"/>
+            <a:ext cx="1410444" cy="248635"/>
+          </a:xfrm>
+          <a:prstGeom prst="rect">
+            <a:avLst/>
+          </a:prstGeom>
+        </p:spPr>
+      </p:pic>
+      <p:pic>
+        <p:nvPicPr>
+          <p:cNvPr id="14" name="Picture 13" descr="A picture containing drawing&#10;&#10;Description automatically generated">
+            <a:extLst>
+              <a:ext uri="{FF2B5EF4-FFF2-40B4-BE49-F238E27FC236}">
+                <a16:creationId xmlns:a16="http://schemas.microsoft.com/office/drawing/2014/main" id="{E3942AC2-6A1F-4965-B908-E0CACAA9CC6E}"/>
+              </a:ext>
+            </a:extLst>
+          </p:cNvPr>
+          <p:cNvPicPr>
+            <a:picLocks noChangeAspect="1"/>
+          </p:cNvPicPr>
+          <p:nvPr/>
+        </p:nvPicPr>
+        <p:blipFill>
+          <a:blip r:embed="rId6"/>
+          <a:stretch>
+            <a:fillRect/>
+          </a:stretch>
+        </p:blipFill>
+        <p:spPr>
+          <a:xfrm>
+            <a:off x="1222450" y="2989906"/>
+            <a:ext cx="1371599" cy="456914"/>
+          </a:xfrm>
+          <a:prstGeom prst="rect">
+            <a:avLst/>
+          </a:prstGeom>
+        </p:spPr>
+      </p:pic>
+      <p:pic>
+        <p:nvPicPr>
+          <p:cNvPr id="16" name="Picture 15" descr="A picture containing food, drawing&#10;&#10;Description automatically generated">
+            <a:extLst>
+              <a:ext uri="{FF2B5EF4-FFF2-40B4-BE49-F238E27FC236}">
+                <a16:creationId xmlns:a16="http://schemas.microsoft.com/office/drawing/2014/main" id="{AE89E7D2-2314-482E-8371-EC0C72EA81FA}"/>
+              </a:ext>
+            </a:extLst>
+          </p:cNvPr>
+          <p:cNvPicPr>
+            <a:picLocks noChangeAspect="1"/>
+          </p:cNvPicPr>
+          <p:nvPr/>
+        </p:nvPicPr>
+        <p:blipFill>
+          <a:blip r:embed="rId7"/>
+          <a:stretch>
+            <a:fillRect/>
+          </a:stretch>
+        </p:blipFill>
+        <p:spPr>
+          <a:xfrm>
+            <a:off x="2897224" y="2949881"/>
+            <a:ext cx="1752600" cy="536963"/>
+          </a:xfrm>
+          <a:prstGeom prst="rect">
+            <a:avLst/>
+          </a:prstGeom>
+        </p:spPr>
+      </p:pic>
+      <p:pic>
+        <p:nvPicPr>
+          <p:cNvPr id="18" name="Picture 17" descr="A picture containing drawing, plate&#10;&#10;Description automatically generated">
+            <a:extLst>
+              <a:ext uri="{FF2B5EF4-FFF2-40B4-BE49-F238E27FC236}">
+                <a16:creationId xmlns:a16="http://schemas.microsoft.com/office/drawing/2014/main" id="{30FC2DE0-FC75-409C-9CB4-540E89487A0D}"/>
+              </a:ext>
+            </a:extLst>
+          </p:cNvPr>
+          <p:cNvPicPr>
+            <a:picLocks noChangeAspect="1"/>
+          </p:cNvPicPr>
+          <p:nvPr/>
+        </p:nvPicPr>
+        <p:blipFill rotWithShape="1">
+          <a:blip r:embed="rId8"/>
+          <a:srcRect b="27173"/>
+          <a:stretch/>
+        </p:blipFill>
+        <p:spPr>
+          <a:xfrm>
+            <a:off x="5239122" y="3862703"/>
+            <a:ext cx="838199" cy="243559"/>
+          </a:xfrm>
+          <a:prstGeom prst="rect">
+            <a:avLst/>
+          </a:prstGeom>
+        </p:spPr>
+      </p:pic>
+      <p:pic>
+        <p:nvPicPr>
+          <p:cNvPr id="20" name="Picture 19" descr="A picture containing drawing&#10;&#10;Description automatically generated">
+            <a:extLst>
+              <a:ext uri="{FF2B5EF4-FFF2-40B4-BE49-F238E27FC236}">
+                <a16:creationId xmlns:a16="http://schemas.microsoft.com/office/drawing/2014/main" id="{89D38F09-CA8C-4E0B-910C-C3777ECFE202}"/>
+              </a:ext>
+            </a:extLst>
+          </p:cNvPr>
+          <p:cNvPicPr>
+            <a:picLocks noChangeAspect="1"/>
+          </p:cNvPicPr>
+          <p:nvPr/>
+        </p:nvPicPr>
+        <p:blipFill>
+          <a:blip r:embed="rId9"/>
+          <a:stretch>
+            <a:fillRect/>
+          </a:stretch>
+        </p:blipFill>
+        <p:spPr>
+          <a:xfrm>
+            <a:off x="1222449" y="3775174"/>
+            <a:ext cx="1371599" cy="396447"/>
+          </a:xfrm>
+          <a:prstGeom prst="rect">
+            <a:avLst/>
+          </a:prstGeom>
+        </p:spPr>
+      </p:pic>
+      <p:pic>
+        <p:nvPicPr>
+          <p:cNvPr id="22" name="Picture 21" descr="A picture containing drawing&#10;&#10;Description automatically generated">
+            <a:extLst>
+              <a:ext uri="{FF2B5EF4-FFF2-40B4-BE49-F238E27FC236}">
+                <a16:creationId xmlns:a16="http://schemas.microsoft.com/office/drawing/2014/main" id="{A3B82F59-AA92-4DB2-8855-D28C8C74DA51}"/>
+              </a:ext>
+            </a:extLst>
+          </p:cNvPr>
+          <p:cNvPicPr>
+            <a:picLocks noChangeAspect="1"/>
+          </p:cNvPicPr>
+          <p:nvPr/>
+        </p:nvPicPr>
+        <p:blipFill>
+          <a:blip r:embed="rId10"/>
+          <a:stretch>
+            <a:fillRect/>
+          </a:stretch>
+        </p:blipFill>
+        <p:spPr>
+          <a:xfrm>
+            <a:off x="3087725" y="3875551"/>
+            <a:ext cx="1371598" cy="209604"/>
+          </a:xfrm>
+          <a:prstGeom prst="rect">
+            <a:avLst/>
+          </a:prstGeom>
+        </p:spPr>
+      </p:pic>
+      <p:pic>
+        <p:nvPicPr>
+          <p:cNvPr id="24" name="Picture 23" descr="A picture containing drawing&#10;&#10;Description automatically generated">
+            <a:extLst>
+              <a:ext uri="{FF2B5EF4-FFF2-40B4-BE49-F238E27FC236}">
+                <a16:creationId xmlns:a16="http://schemas.microsoft.com/office/drawing/2014/main" id="{7BE3F41E-562C-47C5-92C6-CFC4CC72E6EF}"/>
+              </a:ext>
+            </a:extLst>
+          </p:cNvPr>
+          <p:cNvPicPr>
+            <a:picLocks noChangeAspect="1"/>
+          </p:cNvPicPr>
+          <p:nvPr/>
+        </p:nvPicPr>
+        <p:blipFill rotWithShape="1">
+          <a:blip r:embed="rId11"/>
+          <a:srcRect t="23092" b="21447"/>
+          <a:stretch/>
+        </p:blipFill>
+        <p:spPr>
+          <a:xfrm>
+            <a:off x="6623690" y="3033771"/>
+            <a:ext cx="1561354" cy="447399"/>
+          </a:xfrm>
+          <a:prstGeom prst="rect">
+            <a:avLst/>
+          </a:prstGeom>
+        </p:spPr>
+      </p:pic>
+      <p:pic>
+        <p:nvPicPr>
+          <p:cNvPr id="26" name="Picture 25" descr="A picture containing clock, drawing&#10;&#10;Description automatically generated">
+            <a:extLst>
+              <a:ext uri="{FF2B5EF4-FFF2-40B4-BE49-F238E27FC236}">
+                <a16:creationId xmlns:a16="http://schemas.microsoft.com/office/drawing/2014/main" id="{D93B37EB-DF2C-49CC-9EB8-BBCA76476457}"/>
+              </a:ext>
+            </a:extLst>
+          </p:cNvPr>
+          <p:cNvPicPr>
+            <a:picLocks noChangeAspect="1"/>
+          </p:cNvPicPr>
+          <p:nvPr/>
+        </p:nvPicPr>
+        <p:blipFill>
+          <a:blip r:embed="rId12"/>
+          <a:stretch>
+            <a:fillRect/>
+          </a:stretch>
+        </p:blipFill>
+        <p:spPr>
+          <a:xfrm>
+            <a:off x="1107404" y="2401296"/>
+            <a:ext cx="1486645" cy="270424"/>
+          </a:xfrm>
+          <a:prstGeom prst="rect">
+            <a:avLst/>
+          </a:prstGeom>
+        </p:spPr>
+      </p:pic>
+      <p:pic>
+        <p:nvPicPr>
+          <p:cNvPr id="28" name="Picture 27" descr="A close up of a logo&#10;&#10;Description automatically generated">
+            <a:extLst>
+              <a:ext uri="{FF2B5EF4-FFF2-40B4-BE49-F238E27FC236}">
+                <a16:creationId xmlns:a16="http://schemas.microsoft.com/office/drawing/2014/main" id="{5F65EC22-C3EB-4DCA-A585-7D8B4BBD2451}"/>
+              </a:ext>
+            </a:extLst>
+          </p:cNvPr>
+          <p:cNvPicPr>
+            <a:picLocks noChangeAspect="1"/>
+          </p:cNvPicPr>
+          <p:nvPr/>
+        </p:nvPicPr>
+        <p:blipFill>
+          <a:blip r:embed="rId13"/>
+          <a:stretch>
+            <a:fillRect/>
+          </a:stretch>
+        </p:blipFill>
+        <p:spPr>
+          <a:xfrm>
+            <a:off x="6553200" y="2216605"/>
+            <a:ext cx="1702336" cy="625270"/>
+          </a:xfrm>
+          <a:prstGeom prst="rect">
+            <a:avLst/>
+          </a:prstGeom>
+        </p:spPr>
+      </p:pic>
+      <p:pic>
+        <p:nvPicPr>
+          <p:cNvPr id="30" name="Picture 29" descr="A picture containing drawing&#10;&#10;Description automatically generated">
+            <a:extLst>
+              <a:ext uri="{FF2B5EF4-FFF2-40B4-BE49-F238E27FC236}">
+                <a16:creationId xmlns:a16="http://schemas.microsoft.com/office/drawing/2014/main" id="{8369B95E-43B9-4BA8-9C29-D152AC35D615}"/>
+              </a:ext>
+            </a:extLst>
+          </p:cNvPr>
+          <p:cNvPicPr>
+            <a:picLocks noChangeAspect="1"/>
+          </p:cNvPicPr>
+          <p:nvPr/>
+        </p:nvPicPr>
+        <p:blipFill rotWithShape="1">
+          <a:blip r:embed="rId14"/>
+          <a:srcRect b="23669"/>
+          <a:stretch/>
+        </p:blipFill>
+        <p:spPr>
+          <a:xfrm>
+            <a:off x="3029081" y="2401296"/>
+            <a:ext cx="1488887" cy="284123"/>
+          </a:xfrm>
+          <a:prstGeom prst="rect">
+            <a:avLst/>
+          </a:prstGeom>
+        </p:spPr>
+      </p:pic>
+      <p:pic>
+        <p:nvPicPr>
+          <p:cNvPr id="32" name="Picture 31" descr="A picture containing drawing&#10;&#10;Description automatically generated">
+            <a:extLst>
+              <a:ext uri="{FF2B5EF4-FFF2-40B4-BE49-F238E27FC236}">
+                <a16:creationId xmlns:a16="http://schemas.microsoft.com/office/drawing/2014/main" id="{4D489B71-FF0D-4FB8-99C2-BF9F1C49E772}"/>
+              </a:ext>
+            </a:extLst>
+          </p:cNvPr>
+          <p:cNvPicPr>
+            <a:picLocks noChangeAspect="1"/>
+          </p:cNvPicPr>
+          <p:nvPr/>
+        </p:nvPicPr>
+        <p:blipFill rotWithShape="1">
+          <a:blip r:embed="rId15"/>
+          <a:srcRect l="13013" t="28396" r="10714" b="28394"/>
+          <a:stretch/>
+        </p:blipFill>
+        <p:spPr>
+          <a:xfrm>
+            <a:off x="6623690" y="3775174"/>
+            <a:ext cx="1561355" cy="396447"/>
+          </a:xfrm>
+          <a:prstGeom prst="rect">
+            <a:avLst/>
+          </a:prstGeom>
+        </p:spPr>
+      </p:pic>
+    </p:spTree>
+    <p:extLst>
+      <p:ext uri="{BB962C8B-B14F-4D97-AF65-F5344CB8AC3E}">
+        <p14:creationId xmlns:p14="http://schemas.microsoft.com/office/powerpoint/2010/main" val="2645071564"/>
+      </p:ext>
+    </p:extLst>
+  </p:cSld>
+  <p:clrMapOvr>
+    <a:masterClrMapping/>
+  </p:clrMapOvr>
+</p:sld>
+</file>
+
+<file path=ppt/slides/slide19.xml><?xml version="1.0" encoding="utf-8"?>
+<p:sld xmlns:a="http://schemas.openxmlformats.org/drawingml/2006/main" xmlns:r="http://schemas.openxmlformats.org/officeDocument/2006/relationships" xmlns:p="http://schemas.openxmlformats.org/presentationml/2006/main">
+  <p:cSld>
+    <p:spTree>
+      <p:nvGrpSpPr>
+        <p:cNvPr id="1" name=""/>
+        <p:cNvGrpSpPr/>
+        <p:nvPr/>
+      </p:nvGrpSpPr>
+      <p:grpSpPr>
+        <a:xfrm>
+          <a:off x="0" y="0"/>
+          <a:ext cx="0" cy="0"/>
+          <a:chOff x="0" y="0"/>
+          <a:chExt cx="0" cy="0"/>
+        </a:xfrm>
+      </p:grpSpPr>
+      <p:sp>
+        <p:nvSpPr>
+          <p:cNvPr id="2" name="Title 1">
+            <a:extLst>
+              <a:ext uri="{FF2B5EF4-FFF2-40B4-BE49-F238E27FC236}">
+                <a16:creationId xmlns:a16="http://schemas.microsoft.com/office/drawing/2014/main" id="{86FC6CD4-57B5-4643-A8DE-C865DBB3AD67}"/>
+              </a:ext>
+            </a:extLst>
+          </p:cNvPr>
+          <p:cNvSpPr>
+            <a:spLocks noGrp="1"/>
+          </p:cNvSpPr>
+          <p:nvPr>
+            <p:ph type="title"/>
+          </p:nvPr>
+        </p:nvSpPr>
+        <p:spPr>
+          <a:xfrm>
+            <a:off x="467544" y="819150"/>
+            <a:ext cx="8208144" cy="857250"/>
+          </a:xfrm>
+        </p:spPr>
+        <p:txBody>
+          <a:bodyPr/>
+          <a:lstStyle/>
+          <a:p>
+            <a:pPr algn="ctr"/>
+            <a:r>
+              <a:rPr lang="en-US" dirty="0">
+                <a:solidFill>
+                  <a:schemeClr val="accent1"/>
+                </a:solidFill>
+              </a:rPr>
+              <a:t>Please submit your feedback</a:t>
+            </a:r>
+          </a:p>
+        </p:txBody>
+      </p:sp>
+      <p:sp>
+        <p:nvSpPr>
+          <p:cNvPr id="3" name="Text Placeholder 2">
+            <a:extLst>
+              <a:ext uri="{FF2B5EF4-FFF2-40B4-BE49-F238E27FC236}">
+                <a16:creationId xmlns:a16="http://schemas.microsoft.com/office/drawing/2014/main" id="{0B3E74F3-4F9E-45F6-AF17-B69E508DDB32}"/>
+              </a:ext>
+            </a:extLst>
+          </p:cNvPr>
+          <p:cNvSpPr>
+            <a:spLocks noGrp="1"/>
+          </p:cNvSpPr>
+          <p:nvPr>
+            <p:ph type="body" sz="quarter" idx="10"/>
+          </p:nvPr>
+        </p:nvSpPr>
+        <p:spPr/>
+        <p:txBody>
+          <a:bodyPr/>
+          <a:lstStyle/>
+          <a:p>
+            <a:endParaRPr lang="en-US" dirty="0">
+              <a:solidFill>
+                <a:schemeClr val="accent1"/>
+              </a:solidFill>
+            </a:endParaRPr>
+          </a:p>
+          <a:p>
+            <a:pPr algn="ctr"/>
+            <a:r>
+              <a:rPr lang="en-US" sz="2400" dirty="0">
+                <a:solidFill>
+                  <a:schemeClr val="accent1"/>
+                </a:solidFill>
+              </a:rPr>
+              <a:t>Don’t forget to rate this session in the </a:t>
+            </a:r>
+            <a:r>
+              <a:rPr lang="en-US" sz="2400">
+                <a:solidFill>
+                  <a:schemeClr val="accent1"/>
+                </a:solidFill>
+              </a:rPr>
+              <a:t>conference app </a:t>
+            </a:r>
+            <a:endParaRPr lang="en-US" sz="2400" dirty="0">
+              <a:solidFill>
+                <a:schemeClr val="accent1"/>
+              </a:solidFill>
+            </a:endParaRPr>
+          </a:p>
+          <a:p>
+            <a:endParaRPr lang="en-US" dirty="0">
+              <a:solidFill>
+                <a:schemeClr val="accent1"/>
+              </a:solidFill>
+            </a:endParaRPr>
+          </a:p>
+          <a:p>
+            <a:pPr algn="ctr"/>
+            <a:r>
+              <a:rPr lang="en-US" sz="6600" dirty="0">
+                <a:solidFill>
+                  <a:schemeClr val="accent1"/>
+                </a:solidFill>
+              </a:rPr>
+              <a:t>Thank you!</a:t>
+            </a:r>
+          </a:p>
+        </p:txBody>
+      </p:sp>
+    </p:spTree>
+    <p:extLst>
+      <p:ext uri="{BB962C8B-B14F-4D97-AF65-F5344CB8AC3E}">
+        <p14:creationId xmlns:p14="http://schemas.microsoft.com/office/powerpoint/2010/main" val="1550792472"/>
       </p:ext>
     </p:extLst>
   </p:cSld>
@@ -7917,6 +8617,21 @@
 </file>
 
 <file path=customXml/item1.xml><?xml version="1.0" encoding="utf-8"?>
+<?mso-contentType ?>
+<FormTemplates xmlns="http://schemas.microsoft.com/sharepoint/v3/contenttype/forms">
+  <Display>DocumentLibraryForm</Display>
+  <Edit>DocumentLibraryForm</Edit>
+  <New>DocumentLibraryForm</New>
+</FormTemplates>
+</file>
+
+<file path=customXml/item2.xml><?xml version="1.0" encoding="utf-8"?>
+<p:properties xmlns:p="http://schemas.microsoft.com/office/2006/metadata/properties" xmlns:xsi="http://www.w3.org/2001/XMLSchema-instance" xmlns:pc="http://schemas.microsoft.com/office/infopath/2007/PartnerControls">
+  <documentManagement/>
+</p:properties>
+</file>
+
+<file path=customXml/item3.xml><?xml version="1.0" encoding="utf-8"?>
 <ct:contentTypeSchema xmlns:ct="http://schemas.microsoft.com/office/2006/metadata/contentType" xmlns:ma="http://schemas.microsoft.com/office/2006/metadata/properties/metaAttributes" ct:_="" ma:_="" ma:contentTypeName="Document" ma:contentTypeID="0x010100A1ED17CFB16F4D4BA5610B206558CEE9" ma:contentTypeVersion="8" ma:contentTypeDescription="Create a new document." ma:contentTypeScope="" ma:versionID="c8c0fc72a37e6e3dd509f65a574b5e5f">
   <xsd:schema xmlns:xsd="http://www.w3.org/2001/XMLSchema" xmlns:xs="http://www.w3.org/2001/XMLSchema" xmlns:p="http://schemas.microsoft.com/office/2006/metadata/properties" xmlns:ns3="418ae95e-040f-4a03-ab7f-9099d8deb009" targetNamespace="http://schemas.microsoft.com/office/2006/metadata/properties" ma:root="true" ma:fieldsID="8c3479b44110e96e5c713068ebbc2528" ns3:_="">
     <xsd:import namespace="418ae95e-040f-4a03-ab7f-9099d8deb009"/>
@@ -8086,22 +8801,31 @@
 </ct:contentTypeSchema>
 </file>
 
-<file path=customXml/item2.xml><?xml version="1.0" encoding="utf-8"?>
-<?mso-contentType ?>
-<FormTemplates xmlns="http://schemas.microsoft.com/sharepoint/v3/contenttype/forms">
-  <Display>DocumentLibraryForm</Display>
-  <Edit>DocumentLibraryForm</Edit>
-  <New>DocumentLibraryForm</New>
-</FormTemplates>
+<file path=customXml/itemProps1.xml><?xml version="1.0" encoding="utf-8"?>
+<ds:datastoreItem xmlns:ds="http://schemas.openxmlformats.org/officeDocument/2006/customXml" ds:itemID="{1F6BAE2A-3DA5-4EE8-819D-1C3E1939D3C5}">
+  <ds:schemaRefs>
+    <ds:schemaRef ds:uri="http://schemas.microsoft.com/sharepoint/v3/contenttype/forms"/>
+  </ds:schemaRefs>
+</ds:datastoreItem>
 </file>
 
-<file path=customXml/item3.xml><?xml version="1.0" encoding="utf-8"?>
-<p:properties xmlns:p="http://schemas.microsoft.com/office/2006/metadata/properties" xmlns:xsi="http://www.w3.org/2001/XMLSchema-instance" xmlns:pc="http://schemas.microsoft.com/office/infopath/2007/PartnerControls">
-  <documentManagement/>
-</p:properties>
+<file path=customXml/itemProps2.xml><?xml version="1.0" encoding="utf-8"?>
+<ds:datastoreItem xmlns:ds="http://schemas.openxmlformats.org/officeDocument/2006/customXml" ds:itemID="{B61D9F81-828F-487E-B733-C40C548226D3}">
+  <ds:schemaRefs>
+    <ds:schemaRef ds:uri="http://purl.org/dc/terms/"/>
+    <ds:schemaRef ds:uri="http://schemas.openxmlformats.org/package/2006/metadata/core-properties"/>
+    <ds:schemaRef ds:uri="http://schemas.microsoft.com/office/2006/documentManagement/types"/>
+    <ds:schemaRef ds:uri="http://schemas.microsoft.com/office/infopath/2007/PartnerControls"/>
+    <ds:schemaRef ds:uri="http://purl.org/dc/elements/1.1/"/>
+    <ds:schemaRef ds:uri="http://schemas.microsoft.com/office/2006/metadata/properties"/>
+    <ds:schemaRef ds:uri="418ae95e-040f-4a03-ab7f-9099d8deb009"/>
+    <ds:schemaRef ds:uri="http://www.w3.org/XML/1998/namespace"/>
+    <ds:schemaRef ds:uri="http://purl.org/dc/dcmitype/"/>
+  </ds:schemaRefs>
+</ds:datastoreItem>
 </file>
 
-<file path=customXml/itemProps1.xml><?xml version="1.0" encoding="utf-8"?>
+<file path=customXml/itemProps3.xml><?xml version="1.0" encoding="utf-8"?>
 <ds:datastoreItem xmlns:ds="http://schemas.openxmlformats.org/officeDocument/2006/customXml" ds:itemID="{A09361E7-7AB2-40FA-AE5C-18B94EB1BD47}">
   <ds:schemaRefs>
     <ds:schemaRef ds:uri="http://schemas.microsoft.com/office/2006/metadata/contentType"/>
@@ -8117,28 +8841,4 @@
     <ds:schemaRef ds:uri="http://schemas.microsoft.com/internal/obd"/>
   </ds:schemaRefs>
 </ds:datastoreItem>
-</file>
-
-<file path=customXml/itemProps2.xml><?xml version="1.0" encoding="utf-8"?>
-<ds:datastoreItem xmlns:ds="http://schemas.openxmlformats.org/officeDocument/2006/customXml" ds:itemID="{1F6BAE2A-3DA5-4EE8-819D-1C3E1939D3C5}">
-  <ds:schemaRefs>
-    <ds:schemaRef ds:uri="http://schemas.microsoft.com/sharepoint/v3/contenttype/forms"/>
-  </ds:schemaRefs>
-</ds:datastoreItem>
-</file>
-
-<file path=customXml/itemProps3.xml><?xml version="1.0" encoding="utf-8"?>
-<ds:datastoreItem xmlns:ds="http://schemas.openxmlformats.org/officeDocument/2006/customXml" ds:itemID="{B61D9F81-828F-487E-B733-C40C548226D3}">
-  <ds:schemaRefs>
-    <ds:schemaRef ds:uri="http://purl.org/dc/terms/"/>
-    <ds:schemaRef ds:uri="http://schemas.openxmlformats.org/package/2006/metadata/core-properties"/>
-    <ds:schemaRef ds:uri="http://schemas.microsoft.com/office/2006/documentManagement/types"/>
-    <ds:schemaRef ds:uri="http://schemas.microsoft.com/office/infopath/2007/PartnerControls"/>
-    <ds:schemaRef ds:uri="http://purl.org/dc/elements/1.1/"/>
-    <ds:schemaRef ds:uri="http://schemas.microsoft.com/office/2006/metadata/properties"/>
-    <ds:schemaRef ds:uri="418ae95e-040f-4a03-ab7f-9099d8deb009"/>
-    <ds:schemaRef ds:uri="http://www.w3.org/XML/1998/namespace"/>
-    <ds:schemaRef ds:uri="http://purl.org/dc/dcmitype/"/>
-  </ds:schemaRefs>
-</ds:datastoreItem>
 </file>
--- a/Experts Live Prague 2019/ARM_Template_Tips/ARM_Tips_Tricks.pptx
+++ b/Experts Live Prague 2019/ARM_Template_Tips/ARM_Tips_Tricks.pptx
@@ -866,7 +866,7 @@
           <a:p>
             <a:fld id="{386CE63F-9E7F-4C04-9D0D-FCA25A8E9E86}" type="datetime8">
               <a:rPr lang="en-US" smtClean="0"/>
-              <a:t>11/21/2019 8:37 AM</a:t>
+              <a:t>11/21/2019 10:32 AM</a:t>
             </a:fld>
             <a:endParaRPr lang="en-US" dirty="0"/>
           </a:p>
@@ -1121,7 +1121,7 @@
           <a:p>
             <a:fld id="{386CE63F-9E7F-4C04-9D0D-FCA25A8E9E86}" type="datetime8">
               <a:rPr lang="en-US" smtClean="0"/>
-              <a:t>11/21/2019 8:37 AM</a:t>
+              <a:t>11/21/2019 10:32 AM</a:t>
             </a:fld>
             <a:endParaRPr lang="en-US" dirty="0"/>
           </a:p>
@@ -1369,7 +1369,7 @@
           <a:p>
             <a:fld id="{386CE63F-9E7F-4C04-9D0D-FCA25A8E9E86}" type="datetime8">
               <a:rPr lang="en-US" smtClean="0"/>
-              <a:t>11/21/2019 8:37 AM</a:t>
+              <a:t>11/21/2019 10:32 AM</a:t>
             </a:fld>
             <a:endParaRPr lang="en-US" dirty="0"/>
           </a:p>
@@ -1580,7 +1580,7 @@
           <a:p>
             <a:fld id="{386CE63F-9E7F-4C04-9D0D-FCA25A8E9E86}" type="datetime8">
               <a:rPr lang="en-US" smtClean="0"/>
-              <a:t>11/21/2019 8:37 AM</a:t>
+              <a:t>11/21/2019 10:32 AM</a:t>
             </a:fld>
             <a:endParaRPr lang="en-US" dirty="0"/>
           </a:p>
@@ -1770,7 +1770,7 @@
           <a:p>
             <a:fld id="{386CE63F-9E7F-4C04-9D0D-FCA25A8E9E86}" type="datetime8">
               <a:rPr lang="en-US" smtClean="0"/>
-              <a:t>11/21/2019 8:37 AM</a:t>
+              <a:t>11/21/2019 10:32 AM</a:t>
             </a:fld>
             <a:endParaRPr lang="en-US" dirty="0"/>
           </a:p>
@@ -6769,279 +6769,300 @@
           </a:p>
         </p:txBody>
       </p:sp>
-      <p:pic>
-        <p:nvPicPr>
-          <p:cNvPr id="7" name="Graphic 6">
-            <a:extLst>
-              <a:ext uri="{FF2B5EF4-FFF2-40B4-BE49-F238E27FC236}">
-                <a16:creationId xmlns:a16="http://schemas.microsoft.com/office/drawing/2014/main" id="{3E421CD5-0BE0-4F26-9520-4EDEF107FF2D}"/>
-              </a:ext>
-            </a:extLst>
-          </p:cNvPr>
-          <p:cNvPicPr>
-            <a:picLocks noChangeAspect="1"/>
-          </p:cNvPicPr>
+      <p:grpSp>
+        <p:nvGrpSpPr>
+          <p:cNvPr id="3" name="Group 2">
+            <a:extLst>
+              <a:ext uri="{FF2B5EF4-FFF2-40B4-BE49-F238E27FC236}">
+                <a16:creationId xmlns:a16="http://schemas.microsoft.com/office/drawing/2014/main" id="{A7D8E645-2427-44E2-A51A-99727508CBF7}"/>
+              </a:ext>
+            </a:extLst>
+          </p:cNvPr>
+          <p:cNvGrpSpPr/>
           <p:nvPr/>
-        </p:nvPicPr>
-        <p:blipFill>
-          <a:blip r:embed="rId3">
-            <a:extLst>
-              <a:ext uri="{96DAC541-7B7A-43D3-8B79-37D633B846F1}">
-                <asvg:svgBlip xmlns:asvg="http://schemas.microsoft.com/office/drawing/2016/SVG/main" r:embed="rId4"/>
-              </a:ext>
-            </a:extLst>
-          </a:blip>
-          <a:stretch>
-            <a:fillRect/>
-          </a:stretch>
-        </p:blipFill>
-        <p:spPr>
-          <a:xfrm>
-            <a:off x="3431911" y="1355947"/>
-            <a:ext cx="857615" cy="857615"/>
-          </a:xfrm>
-          <a:prstGeom prst="rect">
-            <a:avLst/>
-          </a:prstGeom>
-        </p:spPr>
-      </p:pic>
-      <p:pic>
-        <p:nvPicPr>
-          <p:cNvPr id="9" name="Graphic 8">
-            <a:extLst>
-              <a:ext uri="{FF2B5EF4-FFF2-40B4-BE49-F238E27FC236}">
-                <a16:creationId xmlns:a16="http://schemas.microsoft.com/office/drawing/2014/main" id="{31D8597F-401D-4DAF-8B63-E9DC8D80DCF7}"/>
-              </a:ext>
-            </a:extLst>
-          </p:cNvPr>
-          <p:cNvPicPr>
-            <a:picLocks noChangeAspect="1"/>
-          </p:cNvPicPr>
-          <p:nvPr/>
-        </p:nvPicPr>
-        <p:blipFill>
-          <a:blip r:embed="rId5">
-            <a:extLst>
-              <a:ext uri="{96DAC541-7B7A-43D3-8B79-37D633B846F1}">
-                <asvg:svgBlip xmlns:asvg="http://schemas.microsoft.com/office/drawing/2016/SVG/main" r:embed="rId6"/>
-              </a:ext>
-            </a:extLst>
-          </a:blip>
-          <a:stretch>
-            <a:fillRect/>
-          </a:stretch>
-        </p:blipFill>
-        <p:spPr>
-          <a:xfrm>
-            <a:off x="2192812" y="2456722"/>
-            <a:ext cx="808109" cy="808109"/>
-          </a:xfrm>
-          <a:prstGeom prst="rect">
-            <a:avLst/>
-          </a:prstGeom>
-        </p:spPr>
-      </p:pic>
-      <p:pic>
-        <p:nvPicPr>
-          <p:cNvPr id="10" name="Graphic 9">
-            <a:extLst>
-              <a:ext uri="{FF2B5EF4-FFF2-40B4-BE49-F238E27FC236}">
-                <a16:creationId xmlns:a16="http://schemas.microsoft.com/office/drawing/2014/main" id="{32E35D8A-9693-4F15-B1D7-B249C9518C22}"/>
-              </a:ext>
-            </a:extLst>
-          </p:cNvPr>
-          <p:cNvPicPr>
-            <a:picLocks noChangeAspect="1"/>
-          </p:cNvPicPr>
-          <p:nvPr/>
-        </p:nvPicPr>
-        <p:blipFill>
-          <a:blip r:embed="rId5">
-            <a:extLst>
-              <a:ext uri="{96DAC541-7B7A-43D3-8B79-37D633B846F1}">
-                <asvg:svgBlip xmlns:asvg="http://schemas.microsoft.com/office/drawing/2016/SVG/main" r:embed="rId6"/>
-              </a:ext>
-            </a:extLst>
-          </a:blip>
-          <a:stretch>
-            <a:fillRect/>
-          </a:stretch>
-        </p:blipFill>
-        <p:spPr>
-          <a:xfrm>
-            <a:off x="3333628" y="2456722"/>
-            <a:ext cx="808109" cy="808109"/>
-          </a:xfrm>
-          <a:prstGeom prst="rect">
-            <a:avLst/>
-          </a:prstGeom>
-        </p:spPr>
-      </p:pic>
-      <p:pic>
-        <p:nvPicPr>
-          <p:cNvPr id="11" name="Graphic 10">
-            <a:extLst>
-              <a:ext uri="{FF2B5EF4-FFF2-40B4-BE49-F238E27FC236}">
-                <a16:creationId xmlns:a16="http://schemas.microsoft.com/office/drawing/2014/main" id="{06DE7D41-3C63-4766-A107-660CFAE453E7}"/>
-              </a:ext>
-            </a:extLst>
-          </p:cNvPr>
-          <p:cNvPicPr>
-            <a:picLocks noChangeAspect="1"/>
-          </p:cNvPicPr>
-          <p:nvPr/>
-        </p:nvPicPr>
-        <p:blipFill>
-          <a:blip r:embed="rId5">
-            <a:extLst>
-              <a:ext uri="{96DAC541-7B7A-43D3-8B79-37D633B846F1}">
-                <asvg:svgBlip xmlns:asvg="http://schemas.microsoft.com/office/drawing/2016/SVG/main" r:embed="rId6"/>
-              </a:ext>
-            </a:extLst>
-          </a:blip>
-          <a:stretch>
-            <a:fillRect/>
-          </a:stretch>
-        </p:blipFill>
-        <p:spPr>
-          <a:xfrm>
-            <a:off x="4474444" y="2456722"/>
-            <a:ext cx="808109" cy="808109"/>
-          </a:xfrm>
-          <a:prstGeom prst="rect">
-            <a:avLst/>
-          </a:prstGeom>
-        </p:spPr>
-      </p:pic>
-      <p:cxnSp>
-        <p:nvCxnSpPr>
-          <p:cNvPr id="13" name="Straight Connector 12">
-            <a:extLst>
-              <a:ext uri="{FF2B5EF4-FFF2-40B4-BE49-F238E27FC236}">
-                <a16:creationId xmlns:a16="http://schemas.microsoft.com/office/drawing/2014/main" id="{CFF4597E-645C-475C-AB4D-E3F8D3263EC2}"/>
-              </a:ext>
-            </a:extLst>
-          </p:cNvPr>
-          <p:cNvCxnSpPr/>
-          <p:nvPr/>
-        </p:nvCxnSpPr>
-        <p:spPr>
-          <a:xfrm flipH="1">
-            <a:off x="2695150" y="2105450"/>
-            <a:ext cx="638477" cy="314507"/>
-          </a:xfrm>
-          <a:prstGeom prst="line">
-            <a:avLst/>
-          </a:prstGeom>
-          <a:ln>
-            <a:solidFill>
+        </p:nvGrpSpPr>
+        <p:grpSpPr>
+          <a:xfrm>
+            <a:off x="2743200" y="1470975"/>
+            <a:ext cx="3089741" cy="1908884"/>
+            <a:chOff x="3027129" y="1470975"/>
+            <a:chExt cx="3089741" cy="1908884"/>
+          </a:xfrm>
+        </p:grpSpPr>
+        <p:pic>
+          <p:nvPicPr>
+            <p:cNvPr id="7" name="Graphic 6">
+              <a:extLst>
+                <a:ext uri="{FF2B5EF4-FFF2-40B4-BE49-F238E27FC236}">
+                  <a16:creationId xmlns:a16="http://schemas.microsoft.com/office/drawing/2014/main" id="{3E421CD5-0BE0-4F26-9520-4EDEF107FF2D}"/>
+                </a:ext>
+              </a:extLst>
+            </p:cNvPr>
+            <p:cNvPicPr>
+              <a:picLocks noChangeAspect="1"/>
+            </p:cNvPicPr>
+            <p:nvPr/>
+          </p:nvPicPr>
+          <p:blipFill>
+            <a:blip r:embed="rId3">
+              <a:extLst>
+                <a:ext uri="{96DAC541-7B7A-43D3-8B79-37D633B846F1}">
+                  <asvg:svgBlip xmlns:asvg="http://schemas.microsoft.com/office/drawing/2016/SVG/main" r:embed="rId4"/>
+                </a:ext>
+              </a:extLst>
+            </a:blip>
+            <a:stretch>
+              <a:fillRect/>
+            </a:stretch>
+          </p:blipFill>
+          <p:spPr>
+            <a:xfrm>
+              <a:off x="4266228" y="1470975"/>
+              <a:ext cx="857615" cy="857615"/>
+            </a:xfrm>
+            <a:prstGeom prst="rect">
+              <a:avLst/>
+            </a:prstGeom>
+          </p:spPr>
+        </p:pic>
+        <p:pic>
+          <p:nvPicPr>
+            <p:cNvPr id="9" name="Graphic 8">
+              <a:extLst>
+                <a:ext uri="{FF2B5EF4-FFF2-40B4-BE49-F238E27FC236}">
+                  <a16:creationId xmlns:a16="http://schemas.microsoft.com/office/drawing/2014/main" id="{31D8597F-401D-4DAF-8B63-E9DC8D80DCF7}"/>
+                </a:ext>
+              </a:extLst>
+            </p:cNvPr>
+            <p:cNvPicPr>
+              <a:picLocks noChangeAspect="1"/>
+            </p:cNvPicPr>
+            <p:nvPr/>
+          </p:nvPicPr>
+          <p:blipFill>
+            <a:blip r:embed="rId5">
+              <a:extLst>
+                <a:ext uri="{96DAC541-7B7A-43D3-8B79-37D633B846F1}">
+                  <asvg:svgBlip xmlns:asvg="http://schemas.microsoft.com/office/drawing/2016/SVG/main" r:embed="rId6"/>
+                </a:ext>
+              </a:extLst>
+            </a:blip>
+            <a:stretch>
+              <a:fillRect/>
+            </a:stretch>
+          </p:blipFill>
+          <p:spPr>
+            <a:xfrm>
+              <a:off x="3027129" y="2571750"/>
+              <a:ext cx="808109" cy="808109"/>
+            </a:xfrm>
+            <a:prstGeom prst="rect">
+              <a:avLst/>
+            </a:prstGeom>
+          </p:spPr>
+        </p:pic>
+        <p:pic>
+          <p:nvPicPr>
+            <p:cNvPr id="10" name="Graphic 9">
+              <a:extLst>
+                <a:ext uri="{FF2B5EF4-FFF2-40B4-BE49-F238E27FC236}">
+                  <a16:creationId xmlns:a16="http://schemas.microsoft.com/office/drawing/2014/main" id="{32E35D8A-9693-4F15-B1D7-B249C9518C22}"/>
+                </a:ext>
+              </a:extLst>
+            </p:cNvPr>
+            <p:cNvPicPr>
+              <a:picLocks noChangeAspect="1"/>
+            </p:cNvPicPr>
+            <p:nvPr/>
+          </p:nvPicPr>
+          <p:blipFill>
+            <a:blip r:embed="rId5">
+              <a:extLst>
+                <a:ext uri="{96DAC541-7B7A-43D3-8B79-37D633B846F1}">
+                  <asvg:svgBlip xmlns:asvg="http://schemas.microsoft.com/office/drawing/2016/SVG/main" r:embed="rId6"/>
+                </a:ext>
+              </a:extLst>
+            </a:blip>
+            <a:stretch>
+              <a:fillRect/>
+            </a:stretch>
+          </p:blipFill>
+          <p:spPr>
+            <a:xfrm>
+              <a:off x="4167945" y="2571750"/>
+              <a:ext cx="808109" cy="808109"/>
+            </a:xfrm>
+            <a:prstGeom prst="rect">
+              <a:avLst/>
+            </a:prstGeom>
+          </p:spPr>
+        </p:pic>
+        <p:pic>
+          <p:nvPicPr>
+            <p:cNvPr id="11" name="Graphic 10">
+              <a:extLst>
+                <a:ext uri="{FF2B5EF4-FFF2-40B4-BE49-F238E27FC236}">
+                  <a16:creationId xmlns:a16="http://schemas.microsoft.com/office/drawing/2014/main" id="{06DE7D41-3C63-4766-A107-660CFAE453E7}"/>
+                </a:ext>
+              </a:extLst>
+            </p:cNvPr>
+            <p:cNvPicPr>
+              <a:picLocks noChangeAspect="1"/>
+            </p:cNvPicPr>
+            <p:nvPr/>
+          </p:nvPicPr>
+          <p:blipFill>
+            <a:blip r:embed="rId5">
+              <a:extLst>
+                <a:ext uri="{96DAC541-7B7A-43D3-8B79-37D633B846F1}">
+                  <asvg:svgBlip xmlns:asvg="http://schemas.microsoft.com/office/drawing/2016/SVG/main" r:embed="rId6"/>
+                </a:ext>
+              </a:extLst>
+            </a:blip>
+            <a:stretch>
+              <a:fillRect/>
+            </a:stretch>
+          </p:blipFill>
+          <p:spPr>
+            <a:xfrm>
+              <a:off x="5308761" y="2571750"/>
+              <a:ext cx="808109" cy="808109"/>
+            </a:xfrm>
+            <a:prstGeom prst="rect">
+              <a:avLst/>
+            </a:prstGeom>
+          </p:spPr>
+        </p:pic>
+        <p:cxnSp>
+          <p:nvCxnSpPr>
+            <p:cNvPr id="13" name="Straight Connector 12">
+              <a:extLst>
+                <a:ext uri="{FF2B5EF4-FFF2-40B4-BE49-F238E27FC236}">
+                  <a16:creationId xmlns:a16="http://schemas.microsoft.com/office/drawing/2014/main" id="{CFF4597E-645C-475C-AB4D-E3F8D3263EC2}"/>
+                </a:ext>
+              </a:extLst>
+            </p:cNvPr>
+            <p:cNvCxnSpPr/>
+            <p:nvPr/>
+          </p:nvCxnSpPr>
+          <p:spPr>
+            <a:xfrm flipH="1">
+              <a:off x="3529467" y="2220478"/>
+              <a:ext cx="638477" cy="314507"/>
+            </a:xfrm>
+            <a:prstGeom prst="line">
+              <a:avLst/>
+            </a:prstGeom>
+            <a:ln>
+              <a:solidFill>
+                <a:schemeClr val="tx1"/>
+              </a:solidFill>
+              <a:headEnd type="none" w="med" len="med"/>
+              <a:tailEnd type="triangle" w="med" len="med"/>
+            </a:ln>
+          </p:spPr>
+          <p:style>
+            <a:lnRef idx="1">
+              <a:schemeClr val="accent1"/>
+            </a:lnRef>
+            <a:fillRef idx="0">
+              <a:schemeClr val="accent1"/>
+            </a:fillRef>
+            <a:effectRef idx="0">
+              <a:schemeClr val="accent1"/>
+            </a:effectRef>
+            <a:fontRef idx="minor">
               <a:schemeClr val="tx1"/>
-            </a:solidFill>
-            <a:headEnd type="none" w="med" len="med"/>
-            <a:tailEnd type="triangle" w="med" len="med"/>
-          </a:ln>
-        </p:spPr>
-        <p:style>
-          <a:lnRef idx="1">
-            <a:schemeClr val="accent1"/>
-          </a:lnRef>
-          <a:fillRef idx="0">
-            <a:schemeClr val="accent1"/>
-          </a:fillRef>
-          <a:effectRef idx="0">
-            <a:schemeClr val="accent1"/>
-          </a:effectRef>
-          <a:fontRef idx="minor">
-            <a:schemeClr val="tx1"/>
-          </a:fontRef>
-        </p:style>
-      </p:cxnSp>
-      <p:cxnSp>
-        <p:nvCxnSpPr>
-          <p:cNvPr id="15" name="Straight Connector 14">
-            <a:extLst>
-              <a:ext uri="{FF2B5EF4-FFF2-40B4-BE49-F238E27FC236}">
-                <a16:creationId xmlns:a16="http://schemas.microsoft.com/office/drawing/2014/main" id="{B7BBF67C-CF82-4968-B5F3-A3C5017C2C57}"/>
-              </a:ext>
-            </a:extLst>
-          </p:cNvPr>
-          <p:cNvCxnSpPr/>
-          <p:nvPr/>
-        </p:nvCxnSpPr>
-        <p:spPr>
-          <a:xfrm>
-            <a:off x="3643040" y="2164784"/>
-            <a:ext cx="0" cy="246437"/>
-          </a:xfrm>
-          <a:prstGeom prst="line">
-            <a:avLst/>
-          </a:prstGeom>
-          <a:ln>
-            <a:solidFill>
+            </a:fontRef>
+          </p:style>
+        </p:cxnSp>
+        <p:cxnSp>
+          <p:nvCxnSpPr>
+            <p:cNvPr id="15" name="Straight Connector 14">
+              <a:extLst>
+                <a:ext uri="{FF2B5EF4-FFF2-40B4-BE49-F238E27FC236}">
+                  <a16:creationId xmlns:a16="http://schemas.microsoft.com/office/drawing/2014/main" id="{B7BBF67C-CF82-4968-B5F3-A3C5017C2C57}"/>
+                </a:ext>
+              </a:extLst>
+            </p:cNvPr>
+            <p:cNvCxnSpPr/>
+            <p:nvPr/>
+          </p:nvCxnSpPr>
+          <p:spPr>
+            <a:xfrm>
+              <a:off x="4477357" y="2279812"/>
+              <a:ext cx="0" cy="246437"/>
+            </a:xfrm>
+            <a:prstGeom prst="line">
+              <a:avLst/>
+            </a:prstGeom>
+            <a:ln>
+              <a:solidFill>
+                <a:schemeClr val="tx1"/>
+              </a:solidFill>
+              <a:headEnd type="none" w="med" len="med"/>
+              <a:tailEnd type="triangle" w="med" len="med"/>
+            </a:ln>
+          </p:spPr>
+          <p:style>
+            <a:lnRef idx="1">
+              <a:schemeClr val="accent1"/>
+            </a:lnRef>
+            <a:fillRef idx="0">
+              <a:schemeClr val="accent1"/>
+            </a:fillRef>
+            <a:effectRef idx="0">
+              <a:schemeClr val="accent1"/>
+            </a:effectRef>
+            <a:fontRef idx="minor">
               <a:schemeClr val="tx1"/>
-            </a:solidFill>
-            <a:headEnd type="none" w="med" len="med"/>
-            <a:tailEnd type="triangle" w="med" len="med"/>
-          </a:ln>
-        </p:spPr>
-        <p:style>
-          <a:lnRef idx="1">
-            <a:schemeClr val="accent1"/>
-          </a:lnRef>
-          <a:fillRef idx="0">
-            <a:schemeClr val="accent1"/>
-          </a:fillRef>
-          <a:effectRef idx="0">
-            <a:schemeClr val="accent1"/>
-          </a:effectRef>
-          <a:fontRef idx="minor">
-            <a:schemeClr val="tx1"/>
-          </a:fontRef>
-        </p:style>
-      </p:cxnSp>
-      <p:cxnSp>
-        <p:nvCxnSpPr>
-          <p:cNvPr id="17" name="Straight Connector 16">
-            <a:extLst>
-              <a:ext uri="{FF2B5EF4-FFF2-40B4-BE49-F238E27FC236}">
-                <a16:creationId xmlns:a16="http://schemas.microsoft.com/office/drawing/2014/main" id="{FD31EBEC-7476-48B6-B8DA-09AF3E2A467B}"/>
-              </a:ext>
-            </a:extLst>
-          </p:cNvPr>
-          <p:cNvCxnSpPr/>
-          <p:nvPr/>
-        </p:nvCxnSpPr>
-        <p:spPr>
-          <a:xfrm>
-            <a:off x="4289526" y="2153499"/>
-            <a:ext cx="380030" cy="266458"/>
-          </a:xfrm>
-          <a:prstGeom prst="line">
-            <a:avLst/>
-          </a:prstGeom>
-          <a:ln>
-            <a:solidFill>
+            </a:fontRef>
+          </p:style>
+        </p:cxnSp>
+        <p:cxnSp>
+          <p:nvCxnSpPr>
+            <p:cNvPr id="17" name="Straight Connector 16">
+              <a:extLst>
+                <a:ext uri="{FF2B5EF4-FFF2-40B4-BE49-F238E27FC236}">
+                  <a16:creationId xmlns:a16="http://schemas.microsoft.com/office/drawing/2014/main" id="{FD31EBEC-7476-48B6-B8DA-09AF3E2A467B}"/>
+                </a:ext>
+              </a:extLst>
+            </p:cNvPr>
+            <p:cNvCxnSpPr/>
+            <p:nvPr/>
+          </p:nvCxnSpPr>
+          <p:spPr>
+            <a:xfrm>
+              <a:off x="5123843" y="2268527"/>
+              <a:ext cx="380030" cy="266458"/>
+            </a:xfrm>
+            <a:prstGeom prst="line">
+              <a:avLst/>
+            </a:prstGeom>
+            <a:ln>
+              <a:solidFill>
+                <a:schemeClr val="tx1"/>
+              </a:solidFill>
+              <a:headEnd type="none" w="med" len="med"/>
+              <a:tailEnd type="triangle" w="med" len="med"/>
+            </a:ln>
+          </p:spPr>
+          <p:style>
+            <a:lnRef idx="1">
+              <a:schemeClr val="accent1"/>
+            </a:lnRef>
+            <a:fillRef idx="0">
+              <a:schemeClr val="accent1"/>
+            </a:fillRef>
+            <a:effectRef idx="0">
+              <a:schemeClr val="accent1"/>
+            </a:effectRef>
+            <a:fontRef idx="minor">
               <a:schemeClr val="tx1"/>
-            </a:solidFill>
-            <a:headEnd type="none" w="med" len="med"/>
-            <a:tailEnd type="triangle" w="med" len="med"/>
-          </a:ln>
-        </p:spPr>
-        <p:style>
-          <a:lnRef idx="1">
-            <a:schemeClr val="accent1"/>
-          </a:lnRef>
-          <a:fillRef idx="0">
-            <a:schemeClr val="accent1"/>
-          </a:fillRef>
-          <a:effectRef idx="0">
-            <a:schemeClr val="accent1"/>
-          </a:effectRef>
-          <a:fontRef idx="minor">
-            <a:schemeClr val="tx1"/>
-          </a:fontRef>
-        </p:style>
-      </p:cxnSp>
+            </a:fontRef>
+          </p:style>
+        </p:cxnSp>
+      </p:grpSp>
     </p:spTree>
     <p:extLst>
       <p:ext uri="{BB962C8B-B14F-4D97-AF65-F5344CB8AC3E}">
@@ -8617,21 +8638,6 @@
 </file>
 
 <file path=customXml/item1.xml><?xml version="1.0" encoding="utf-8"?>
-<?mso-contentType ?>
-<FormTemplates xmlns="http://schemas.microsoft.com/sharepoint/v3/contenttype/forms">
-  <Display>DocumentLibraryForm</Display>
-  <Edit>DocumentLibraryForm</Edit>
-  <New>DocumentLibraryForm</New>
-</FormTemplates>
-</file>
-
-<file path=customXml/item2.xml><?xml version="1.0" encoding="utf-8"?>
-<p:properties xmlns:p="http://schemas.microsoft.com/office/2006/metadata/properties" xmlns:xsi="http://www.w3.org/2001/XMLSchema-instance" xmlns:pc="http://schemas.microsoft.com/office/infopath/2007/PartnerControls">
-  <documentManagement/>
-</p:properties>
-</file>
-
-<file path=customXml/item3.xml><?xml version="1.0" encoding="utf-8"?>
 <ct:contentTypeSchema xmlns:ct="http://schemas.microsoft.com/office/2006/metadata/contentType" xmlns:ma="http://schemas.microsoft.com/office/2006/metadata/properties/metaAttributes" ct:_="" ma:_="" ma:contentTypeName="Document" ma:contentTypeID="0x010100A1ED17CFB16F4D4BA5610B206558CEE9" ma:contentTypeVersion="8" ma:contentTypeDescription="Create a new document." ma:contentTypeScope="" ma:versionID="c8c0fc72a37e6e3dd509f65a574b5e5f">
   <xsd:schema xmlns:xsd="http://www.w3.org/2001/XMLSchema" xmlns:xs="http://www.w3.org/2001/XMLSchema" xmlns:p="http://schemas.microsoft.com/office/2006/metadata/properties" xmlns:ns3="418ae95e-040f-4a03-ab7f-9099d8deb009" targetNamespace="http://schemas.microsoft.com/office/2006/metadata/properties" ma:root="true" ma:fieldsID="8c3479b44110e96e5c713068ebbc2528" ns3:_="">
     <xsd:import namespace="418ae95e-040f-4a03-ab7f-9099d8deb009"/>
@@ -8801,10 +8807,35 @@
 </ct:contentTypeSchema>
 </file>
 
+<file path=customXml/item2.xml><?xml version="1.0" encoding="utf-8"?>
+<p:properties xmlns:p="http://schemas.microsoft.com/office/2006/metadata/properties" xmlns:xsi="http://www.w3.org/2001/XMLSchema-instance" xmlns:pc="http://schemas.microsoft.com/office/infopath/2007/PartnerControls">
+  <documentManagement/>
+</p:properties>
+</file>
+
+<file path=customXml/item3.xml><?xml version="1.0" encoding="utf-8"?>
+<?mso-contentType ?>
+<FormTemplates xmlns="http://schemas.microsoft.com/sharepoint/v3/contenttype/forms">
+  <Display>DocumentLibraryForm</Display>
+  <Edit>DocumentLibraryForm</Edit>
+  <New>DocumentLibraryForm</New>
+</FormTemplates>
+</file>
+
 <file path=customXml/itemProps1.xml><?xml version="1.0" encoding="utf-8"?>
-<ds:datastoreItem xmlns:ds="http://schemas.openxmlformats.org/officeDocument/2006/customXml" ds:itemID="{1F6BAE2A-3DA5-4EE8-819D-1C3E1939D3C5}">
+<ds:datastoreItem xmlns:ds="http://schemas.openxmlformats.org/officeDocument/2006/customXml" ds:itemID="{A09361E7-7AB2-40FA-AE5C-18B94EB1BD47}">
   <ds:schemaRefs>
-    <ds:schemaRef ds:uri="http://schemas.microsoft.com/sharepoint/v3/contenttype/forms"/>
+    <ds:schemaRef ds:uri="http://schemas.microsoft.com/office/2006/metadata/contentType"/>
+    <ds:schemaRef ds:uri="http://schemas.microsoft.com/office/2006/metadata/properties/metaAttributes"/>
+    <ds:schemaRef ds:uri="http://www.w3.org/2001/XMLSchema"/>
+    <ds:schemaRef ds:uri="http://schemas.microsoft.com/office/2006/metadata/properties"/>
+    <ds:schemaRef ds:uri="418ae95e-040f-4a03-ab7f-9099d8deb009"/>
+    <ds:schemaRef ds:uri="http://schemas.microsoft.com/office/2006/documentManagement/types"/>
+    <ds:schemaRef ds:uri="http://schemas.microsoft.com/office/infopath/2007/PartnerControls"/>
+    <ds:schemaRef ds:uri="http://schemas.openxmlformats.org/package/2006/metadata/core-properties"/>
+    <ds:schemaRef ds:uri="http://purl.org/dc/elements/1.1/"/>
+    <ds:schemaRef ds:uri="http://purl.org/dc/terms/"/>
+    <ds:schemaRef ds:uri="http://schemas.microsoft.com/internal/obd"/>
   </ds:schemaRefs>
 </ds:datastoreItem>
 </file>
@@ -8826,19 +8857,9 @@
 </file>
 
 <file path=customXml/itemProps3.xml><?xml version="1.0" encoding="utf-8"?>
-<ds:datastoreItem xmlns:ds="http://schemas.openxmlformats.org/officeDocument/2006/customXml" ds:itemID="{A09361E7-7AB2-40FA-AE5C-18B94EB1BD47}">
+<ds:datastoreItem xmlns:ds="http://schemas.openxmlformats.org/officeDocument/2006/customXml" ds:itemID="{1F6BAE2A-3DA5-4EE8-819D-1C3E1939D3C5}">
   <ds:schemaRefs>
-    <ds:schemaRef ds:uri="http://schemas.microsoft.com/office/2006/metadata/contentType"/>
-    <ds:schemaRef ds:uri="http://schemas.microsoft.com/office/2006/metadata/properties/metaAttributes"/>
-    <ds:schemaRef ds:uri="http://www.w3.org/2001/XMLSchema"/>
-    <ds:schemaRef ds:uri="http://schemas.microsoft.com/office/2006/metadata/properties"/>
-    <ds:schemaRef ds:uri="418ae95e-040f-4a03-ab7f-9099d8deb009"/>
-    <ds:schemaRef ds:uri="http://schemas.microsoft.com/office/2006/documentManagement/types"/>
-    <ds:schemaRef ds:uri="http://schemas.microsoft.com/office/infopath/2007/PartnerControls"/>
-    <ds:schemaRef ds:uri="http://schemas.openxmlformats.org/package/2006/metadata/core-properties"/>
-    <ds:schemaRef ds:uri="http://purl.org/dc/elements/1.1/"/>
-    <ds:schemaRef ds:uri="http://purl.org/dc/terms/"/>
-    <ds:schemaRef ds:uri="http://schemas.microsoft.com/internal/obd"/>
+    <ds:schemaRef ds:uri="http://schemas.microsoft.com/sharepoint/v3/contenttype/forms"/>
   </ds:schemaRefs>
 </ds:datastoreItem>
 </file>